--- a/pubs/Pure Data Spaces/L1.pptx
+++ b/pubs/Pure Data Spaces/L1.pptx
@@ -104,6 +104,11 @@
       </a:defRPr>
     </a:lvl9pPr>
   </p:defaultTextStyle>
+  <p:extLst>
+    <p:ext uri="{EFAFB233-063F-42B5-8137-9DF3F51BA10A}">
+      <p15:sldGuideLst xmlns:p15="http://schemas.microsoft.com/office/powerpoint/2012/main"/>
+    </p:ext>
+  </p:extLst>
 </p:presentation>
 </file>
 
@@ -6574,7 +6579,7 @@
         </p:nvSpPr>
         <p:spPr>
           <a:xfrm>
-            <a:off x="8548564" y="1477007"/>
+            <a:off x="8489841" y="1359269"/>
             <a:ext cx="3136900" cy="646331"/>
           </a:xfrm>
           <a:prstGeom prst="rect">
@@ -7103,6 +7108,758 @@
               <a:rPr lang="en-US" dirty="0"/>
               <a:t>1</a:t>
             </a:r>
+          </a:p>
+        </p:txBody>
+      </p:sp>
+      <p:sp>
+        <p:nvSpPr>
+          <p:cNvPr id="2" name="Freeform 1">
+            <a:extLst>
+              <a:ext uri="{FF2B5EF4-FFF2-40B4-BE49-F238E27FC236}">
+                <a16:creationId xmlns:a16="http://schemas.microsoft.com/office/drawing/2014/main" id="{8E00D5F5-6AA4-6C42-97FB-7B0B0312CE5A}"/>
+              </a:ext>
+            </a:extLst>
+          </p:cNvPr>
+          <p:cNvSpPr/>
+          <p:nvPr/>
+        </p:nvSpPr>
+        <p:spPr>
+          <a:xfrm>
+            <a:off x="570451" y="4420998"/>
+            <a:ext cx="1593909" cy="973123"/>
+          </a:xfrm>
+          <a:custGeom>
+            <a:avLst/>
+            <a:gdLst>
+              <a:gd name="connsiteX0" fmla="*/ 0 w 1593909"/>
+              <a:gd name="connsiteY0" fmla="*/ 973123 h 973123"/>
+              <a:gd name="connsiteX1" fmla="*/ 385894 w 1593909"/>
+              <a:gd name="connsiteY1" fmla="*/ 906011 h 973123"/>
+              <a:gd name="connsiteX2" fmla="*/ 1015068 w 1593909"/>
+              <a:gd name="connsiteY2" fmla="*/ 570452 h 973123"/>
+              <a:gd name="connsiteX3" fmla="*/ 1593909 w 1593909"/>
+              <a:gd name="connsiteY3" fmla="*/ 0 h 973123"/>
+            </a:gdLst>
+            <a:ahLst/>
+            <a:cxnLst>
+              <a:cxn ang="0">
+                <a:pos x="connsiteX0" y="connsiteY0"/>
+              </a:cxn>
+              <a:cxn ang="0">
+                <a:pos x="connsiteX1" y="connsiteY1"/>
+              </a:cxn>
+              <a:cxn ang="0">
+                <a:pos x="connsiteX2" y="connsiteY2"/>
+              </a:cxn>
+              <a:cxn ang="0">
+                <a:pos x="connsiteX3" y="connsiteY3"/>
+              </a:cxn>
+            </a:cxnLst>
+            <a:rect l="l" t="t" r="r" b="b"/>
+            <a:pathLst>
+              <a:path w="1593909" h="973123">
+                <a:moveTo>
+                  <a:pt x="0" y="973123"/>
+                </a:moveTo>
+                <a:cubicBezTo>
+                  <a:pt x="108358" y="973123"/>
+                  <a:pt x="216716" y="973123"/>
+                  <a:pt x="385894" y="906011"/>
+                </a:cubicBezTo>
+                <a:cubicBezTo>
+                  <a:pt x="555072" y="838899"/>
+                  <a:pt x="813732" y="721454"/>
+                  <a:pt x="1015068" y="570452"/>
+                </a:cubicBezTo>
+                <a:cubicBezTo>
+                  <a:pt x="1216404" y="419450"/>
+                  <a:pt x="1405156" y="209725"/>
+                  <a:pt x="1593909" y="0"/>
+                </a:cubicBezTo>
+              </a:path>
+            </a:pathLst>
+          </a:custGeom>
+          <a:noFill/>
+          <a:ln w="28575">
+            <a:tailEnd type="arrow"/>
+          </a:ln>
+        </p:spPr>
+        <p:style>
+          <a:lnRef idx="2">
+            <a:schemeClr val="accent1">
+              <a:shade val="50000"/>
+            </a:schemeClr>
+          </a:lnRef>
+          <a:fillRef idx="1">
+            <a:schemeClr val="accent1"/>
+          </a:fillRef>
+          <a:effectRef idx="0">
+            <a:schemeClr val="accent1"/>
+          </a:effectRef>
+          <a:fontRef idx="minor">
+            <a:schemeClr val="lt1"/>
+          </a:fontRef>
+        </p:style>
+        <p:txBody>
+          <a:bodyPr rtlCol="0" anchor="ctr"/>
+          <a:lstStyle/>
+          <a:p>
+            <a:pPr algn="ctr"/>
+            <a:endParaRPr lang="en-US"/>
+          </a:p>
+        </p:txBody>
+      </p:sp>
+      <p:sp>
+        <p:nvSpPr>
+          <p:cNvPr id="3" name="Freeform 2">
+            <a:extLst>
+              <a:ext uri="{FF2B5EF4-FFF2-40B4-BE49-F238E27FC236}">
+                <a16:creationId xmlns:a16="http://schemas.microsoft.com/office/drawing/2014/main" id="{E5A4C81C-F68E-A840-8F00-8850D392AB62}"/>
+              </a:ext>
+            </a:extLst>
+          </p:cNvPr>
+          <p:cNvSpPr/>
+          <p:nvPr/>
+        </p:nvSpPr>
+        <p:spPr>
+          <a:xfrm>
+            <a:off x="562062" y="2935443"/>
+            <a:ext cx="1451296" cy="1040939"/>
+          </a:xfrm>
+          <a:custGeom>
+            <a:avLst/>
+            <a:gdLst>
+              <a:gd name="connsiteX0" fmla="*/ 0 w 1451296"/>
+              <a:gd name="connsiteY0" fmla="*/ 704 h 1040939"/>
+              <a:gd name="connsiteX1" fmla="*/ 545285 w 1451296"/>
+              <a:gd name="connsiteY1" fmla="*/ 168484 h 1040939"/>
+              <a:gd name="connsiteX2" fmla="*/ 1451296 w 1451296"/>
+              <a:gd name="connsiteY2" fmla="*/ 1040939 h 1040939"/>
+            </a:gdLst>
+            <a:ahLst/>
+            <a:cxnLst>
+              <a:cxn ang="0">
+                <a:pos x="connsiteX0" y="connsiteY0"/>
+              </a:cxn>
+              <a:cxn ang="0">
+                <a:pos x="connsiteX1" y="connsiteY1"/>
+              </a:cxn>
+              <a:cxn ang="0">
+                <a:pos x="connsiteX2" y="connsiteY2"/>
+              </a:cxn>
+            </a:cxnLst>
+            <a:rect l="l" t="t" r="r" b="b"/>
+            <a:pathLst>
+              <a:path w="1451296" h="1040939">
+                <a:moveTo>
+                  <a:pt x="0" y="704"/>
+                </a:moveTo>
+                <a:cubicBezTo>
+                  <a:pt x="151701" y="-2092"/>
+                  <a:pt x="303402" y="-4888"/>
+                  <a:pt x="545285" y="168484"/>
+                </a:cubicBezTo>
+                <a:cubicBezTo>
+                  <a:pt x="787168" y="341856"/>
+                  <a:pt x="1119232" y="691397"/>
+                  <a:pt x="1451296" y="1040939"/>
+                </a:cubicBezTo>
+              </a:path>
+            </a:pathLst>
+          </a:custGeom>
+          <a:noFill/>
+          <a:ln w="28575">
+            <a:tailEnd type="arrow"/>
+          </a:ln>
+        </p:spPr>
+        <p:style>
+          <a:lnRef idx="2">
+            <a:schemeClr val="accent1">
+              <a:shade val="50000"/>
+            </a:schemeClr>
+          </a:lnRef>
+          <a:fillRef idx="1">
+            <a:schemeClr val="accent1"/>
+          </a:fillRef>
+          <a:effectRef idx="0">
+            <a:schemeClr val="accent1"/>
+          </a:effectRef>
+          <a:fontRef idx="minor">
+            <a:schemeClr val="lt1"/>
+          </a:fontRef>
+        </p:style>
+        <p:txBody>
+          <a:bodyPr rtlCol="0" anchor="ctr"/>
+          <a:lstStyle/>
+          <a:p>
+            <a:pPr algn="ctr"/>
+            <a:endParaRPr lang="en-US"/>
+          </a:p>
+        </p:txBody>
+      </p:sp>
+      <p:sp>
+        <p:nvSpPr>
+          <p:cNvPr id="5" name="Freeform 4">
+            <a:extLst>
+              <a:ext uri="{FF2B5EF4-FFF2-40B4-BE49-F238E27FC236}">
+                <a16:creationId xmlns:a16="http://schemas.microsoft.com/office/drawing/2014/main" id="{F3BA2F19-0B05-B149-98B6-FCB858F46168}"/>
+              </a:ext>
+            </a:extLst>
+          </p:cNvPr>
+          <p:cNvSpPr/>
+          <p:nvPr/>
+        </p:nvSpPr>
+        <p:spPr>
+          <a:xfrm>
+            <a:off x="553673" y="1963024"/>
+            <a:ext cx="1602298" cy="1937857"/>
+          </a:xfrm>
+          <a:custGeom>
+            <a:avLst/>
+            <a:gdLst>
+              <a:gd name="connsiteX0" fmla="*/ 0 w 1602298"/>
+              <a:gd name="connsiteY0" fmla="*/ 0 h 1937857"/>
+              <a:gd name="connsiteX1" fmla="*/ 318782 w 1602298"/>
+              <a:gd name="connsiteY1" fmla="*/ 142613 h 1937857"/>
+              <a:gd name="connsiteX2" fmla="*/ 813733 w 1602298"/>
+              <a:gd name="connsiteY2" fmla="*/ 838899 h 1937857"/>
+              <a:gd name="connsiteX3" fmla="*/ 1275127 w 1602298"/>
+              <a:gd name="connsiteY3" fmla="*/ 1518407 h 1937857"/>
+              <a:gd name="connsiteX4" fmla="*/ 1602298 w 1602298"/>
+              <a:gd name="connsiteY4" fmla="*/ 1937857 h 1937857"/>
+            </a:gdLst>
+            <a:ahLst/>
+            <a:cxnLst>
+              <a:cxn ang="0">
+                <a:pos x="connsiteX0" y="connsiteY0"/>
+              </a:cxn>
+              <a:cxn ang="0">
+                <a:pos x="connsiteX1" y="connsiteY1"/>
+              </a:cxn>
+              <a:cxn ang="0">
+                <a:pos x="connsiteX2" y="connsiteY2"/>
+              </a:cxn>
+              <a:cxn ang="0">
+                <a:pos x="connsiteX3" y="connsiteY3"/>
+              </a:cxn>
+              <a:cxn ang="0">
+                <a:pos x="connsiteX4" y="connsiteY4"/>
+              </a:cxn>
+            </a:cxnLst>
+            <a:rect l="l" t="t" r="r" b="b"/>
+            <a:pathLst>
+              <a:path w="1602298" h="1937857">
+                <a:moveTo>
+                  <a:pt x="0" y="0"/>
+                </a:moveTo>
+                <a:cubicBezTo>
+                  <a:pt x="91580" y="1398"/>
+                  <a:pt x="183160" y="2797"/>
+                  <a:pt x="318782" y="142613"/>
+                </a:cubicBezTo>
+                <a:cubicBezTo>
+                  <a:pt x="454404" y="282429"/>
+                  <a:pt x="654342" y="609600"/>
+                  <a:pt x="813733" y="838899"/>
+                </a:cubicBezTo>
+                <a:cubicBezTo>
+                  <a:pt x="973124" y="1068198"/>
+                  <a:pt x="1143700" y="1335247"/>
+                  <a:pt x="1275127" y="1518407"/>
+                </a:cubicBezTo>
+                <a:cubicBezTo>
+                  <a:pt x="1406555" y="1701567"/>
+                  <a:pt x="1504426" y="1819712"/>
+                  <a:pt x="1602298" y="1937857"/>
+                </a:cubicBezTo>
+              </a:path>
+            </a:pathLst>
+          </a:custGeom>
+          <a:noFill/>
+          <a:ln w="28575">
+            <a:tailEnd type="arrow"/>
+          </a:ln>
+        </p:spPr>
+        <p:style>
+          <a:lnRef idx="2">
+            <a:schemeClr val="accent1">
+              <a:shade val="50000"/>
+            </a:schemeClr>
+          </a:lnRef>
+          <a:fillRef idx="1">
+            <a:schemeClr val="accent1"/>
+          </a:fillRef>
+          <a:effectRef idx="0">
+            <a:schemeClr val="accent1"/>
+          </a:effectRef>
+          <a:fontRef idx="minor">
+            <a:schemeClr val="lt1"/>
+          </a:fontRef>
+        </p:style>
+        <p:txBody>
+          <a:bodyPr rtlCol="0" anchor="ctr"/>
+          <a:lstStyle/>
+          <a:p>
+            <a:pPr algn="ctr"/>
+            <a:endParaRPr lang="en-US"/>
+          </a:p>
+        </p:txBody>
+      </p:sp>
+      <p:sp>
+        <p:nvSpPr>
+          <p:cNvPr id="23" name="Freeform 22">
+            <a:extLst>
+              <a:ext uri="{FF2B5EF4-FFF2-40B4-BE49-F238E27FC236}">
+                <a16:creationId xmlns:a16="http://schemas.microsoft.com/office/drawing/2014/main" id="{538E7757-551F-F744-B72B-C507C28EA5B0}"/>
+              </a:ext>
+            </a:extLst>
+          </p:cNvPr>
+          <p:cNvSpPr/>
+          <p:nvPr/>
+        </p:nvSpPr>
+        <p:spPr>
+          <a:xfrm>
+            <a:off x="570451" y="711419"/>
+            <a:ext cx="5217953" cy="622431"/>
+          </a:xfrm>
+          <a:custGeom>
+            <a:avLst/>
+            <a:gdLst>
+              <a:gd name="connsiteX0" fmla="*/ 0 w 5217953"/>
+              <a:gd name="connsiteY0" fmla="*/ 43590 h 622431"/>
+              <a:gd name="connsiteX1" fmla="*/ 1174459 w 5217953"/>
+              <a:gd name="connsiteY1" fmla="*/ 1645 h 622431"/>
+              <a:gd name="connsiteX2" fmla="*/ 3061982 w 5217953"/>
+              <a:gd name="connsiteY2" fmla="*/ 93924 h 622431"/>
+              <a:gd name="connsiteX3" fmla="*/ 4471332 w 5217953"/>
+              <a:gd name="connsiteY3" fmla="*/ 362372 h 622431"/>
+              <a:gd name="connsiteX4" fmla="*/ 5217953 w 5217953"/>
+              <a:gd name="connsiteY4" fmla="*/ 622431 h 622431"/>
+            </a:gdLst>
+            <a:ahLst/>
+            <a:cxnLst>
+              <a:cxn ang="0">
+                <a:pos x="connsiteX0" y="connsiteY0"/>
+              </a:cxn>
+              <a:cxn ang="0">
+                <a:pos x="connsiteX1" y="connsiteY1"/>
+              </a:cxn>
+              <a:cxn ang="0">
+                <a:pos x="connsiteX2" y="connsiteY2"/>
+              </a:cxn>
+              <a:cxn ang="0">
+                <a:pos x="connsiteX3" y="connsiteY3"/>
+              </a:cxn>
+              <a:cxn ang="0">
+                <a:pos x="connsiteX4" y="connsiteY4"/>
+              </a:cxn>
+            </a:cxnLst>
+            <a:rect l="l" t="t" r="r" b="b"/>
+            <a:pathLst>
+              <a:path w="5217953" h="622431">
+                <a:moveTo>
+                  <a:pt x="0" y="43590"/>
+                </a:moveTo>
+                <a:cubicBezTo>
+                  <a:pt x="332064" y="18423"/>
+                  <a:pt x="664129" y="-6744"/>
+                  <a:pt x="1174459" y="1645"/>
+                </a:cubicBezTo>
+                <a:cubicBezTo>
+                  <a:pt x="1684789" y="10034"/>
+                  <a:pt x="2512503" y="33803"/>
+                  <a:pt x="3061982" y="93924"/>
+                </a:cubicBezTo>
+                <a:cubicBezTo>
+                  <a:pt x="3611461" y="154045"/>
+                  <a:pt x="4112004" y="274288"/>
+                  <a:pt x="4471332" y="362372"/>
+                </a:cubicBezTo>
+                <a:cubicBezTo>
+                  <a:pt x="4830660" y="450456"/>
+                  <a:pt x="5024306" y="536443"/>
+                  <a:pt x="5217953" y="622431"/>
+                </a:cubicBezTo>
+              </a:path>
+            </a:pathLst>
+          </a:custGeom>
+          <a:noFill/>
+          <a:ln w="28575">
+            <a:tailEnd type="arrow"/>
+          </a:ln>
+        </p:spPr>
+        <p:style>
+          <a:lnRef idx="2">
+            <a:schemeClr val="accent1">
+              <a:shade val="50000"/>
+            </a:schemeClr>
+          </a:lnRef>
+          <a:fillRef idx="1">
+            <a:schemeClr val="accent1"/>
+          </a:fillRef>
+          <a:effectRef idx="0">
+            <a:schemeClr val="accent1"/>
+          </a:effectRef>
+          <a:fontRef idx="minor">
+            <a:schemeClr val="lt1"/>
+          </a:fontRef>
+        </p:style>
+        <p:txBody>
+          <a:bodyPr rtlCol="0" anchor="ctr"/>
+          <a:lstStyle/>
+          <a:p>
+            <a:pPr algn="ctr"/>
+            <a:endParaRPr lang="en-US"/>
+          </a:p>
+        </p:txBody>
+      </p:sp>
+      <p:sp>
+        <p:nvSpPr>
+          <p:cNvPr id="24" name="Freeform 23">
+            <a:extLst>
+              <a:ext uri="{FF2B5EF4-FFF2-40B4-BE49-F238E27FC236}">
+                <a16:creationId xmlns:a16="http://schemas.microsoft.com/office/drawing/2014/main" id="{4CB83530-BE26-2B40-BBDB-E7AC6672EF07}"/>
+              </a:ext>
+            </a:extLst>
+          </p:cNvPr>
+          <p:cNvSpPr/>
+          <p:nvPr/>
+        </p:nvSpPr>
+        <p:spPr>
+          <a:xfrm>
+            <a:off x="604007" y="859278"/>
+            <a:ext cx="4857226" cy="600406"/>
+          </a:xfrm>
+          <a:custGeom>
+            <a:avLst/>
+            <a:gdLst>
+              <a:gd name="connsiteX0" fmla="*/ 0 w 4857226"/>
+              <a:gd name="connsiteY0" fmla="*/ 164179 h 600406"/>
+              <a:gd name="connsiteX1" fmla="*/ 855677 w 4857226"/>
+              <a:gd name="connsiteY1" fmla="*/ 63511 h 600406"/>
+              <a:gd name="connsiteX2" fmla="*/ 1803633 w 4857226"/>
+              <a:gd name="connsiteY2" fmla="*/ 4788 h 600406"/>
+              <a:gd name="connsiteX3" fmla="*/ 3498210 w 4857226"/>
+              <a:gd name="connsiteY3" fmla="*/ 189346 h 600406"/>
+              <a:gd name="connsiteX4" fmla="*/ 4563611 w 4857226"/>
+              <a:gd name="connsiteY4" fmla="*/ 491350 h 600406"/>
+              <a:gd name="connsiteX5" fmla="*/ 4857226 w 4857226"/>
+              <a:gd name="connsiteY5" fmla="*/ 600406 h 600406"/>
+            </a:gdLst>
+            <a:ahLst/>
+            <a:cxnLst>
+              <a:cxn ang="0">
+                <a:pos x="connsiteX0" y="connsiteY0"/>
+              </a:cxn>
+              <a:cxn ang="0">
+                <a:pos x="connsiteX1" y="connsiteY1"/>
+              </a:cxn>
+              <a:cxn ang="0">
+                <a:pos x="connsiteX2" y="connsiteY2"/>
+              </a:cxn>
+              <a:cxn ang="0">
+                <a:pos x="connsiteX3" y="connsiteY3"/>
+              </a:cxn>
+              <a:cxn ang="0">
+                <a:pos x="connsiteX4" y="connsiteY4"/>
+              </a:cxn>
+              <a:cxn ang="0">
+                <a:pos x="connsiteX5" y="connsiteY5"/>
+              </a:cxn>
+            </a:cxnLst>
+            <a:rect l="l" t="t" r="r" b="b"/>
+            <a:pathLst>
+              <a:path w="4857226" h="600406">
+                <a:moveTo>
+                  <a:pt x="0" y="164179"/>
+                </a:moveTo>
+                <a:cubicBezTo>
+                  <a:pt x="277536" y="127127"/>
+                  <a:pt x="555072" y="90076"/>
+                  <a:pt x="855677" y="63511"/>
+                </a:cubicBezTo>
+                <a:cubicBezTo>
+                  <a:pt x="1156282" y="36946"/>
+                  <a:pt x="1363211" y="-16184"/>
+                  <a:pt x="1803633" y="4788"/>
+                </a:cubicBezTo>
+                <a:cubicBezTo>
+                  <a:pt x="2244055" y="25760"/>
+                  <a:pt x="3038214" y="108252"/>
+                  <a:pt x="3498210" y="189346"/>
+                </a:cubicBezTo>
+                <a:cubicBezTo>
+                  <a:pt x="3958206" y="270440"/>
+                  <a:pt x="4337108" y="422840"/>
+                  <a:pt x="4563611" y="491350"/>
+                </a:cubicBezTo>
+                <a:cubicBezTo>
+                  <a:pt x="4790114" y="559860"/>
+                  <a:pt x="4823670" y="580133"/>
+                  <a:pt x="4857226" y="600406"/>
+                </a:cubicBezTo>
+              </a:path>
+            </a:pathLst>
+          </a:custGeom>
+          <a:noFill/>
+          <a:ln w="28575">
+            <a:tailEnd type="arrow"/>
+          </a:ln>
+        </p:spPr>
+        <p:style>
+          <a:lnRef idx="2">
+            <a:schemeClr val="accent1">
+              <a:shade val="50000"/>
+            </a:schemeClr>
+          </a:lnRef>
+          <a:fillRef idx="1">
+            <a:schemeClr val="accent1"/>
+          </a:fillRef>
+          <a:effectRef idx="0">
+            <a:schemeClr val="accent1"/>
+          </a:effectRef>
+          <a:fontRef idx="minor">
+            <a:schemeClr val="lt1"/>
+          </a:fontRef>
+        </p:style>
+        <p:txBody>
+          <a:bodyPr rtlCol="0" anchor="ctr"/>
+          <a:lstStyle/>
+          <a:p>
+            <a:pPr algn="ctr"/>
+            <a:endParaRPr lang="en-US"/>
+          </a:p>
+        </p:txBody>
+      </p:sp>
+      <p:sp>
+        <p:nvSpPr>
+          <p:cNvPr id="25" name="Freeform 24">
+            <a:extLst>
+              <a:ext uri="{FF2B5EF4-FFF2-40B4-BE49-F238E27FC236}">
+                <a16:creationId xmlns:a16="http://schemas.microsoft.com/office/drawing/2014/main" id="{05566118-4452-684F-B59E-29E43713693A}"/>
+              </a:ext>
+            </a:extLst>
+          </p:cNvPr>
+          <p:cNvSpPr/>
+          <p:nvPr/>
+        </p:nvSpPr>
+        <p:spPr>
+          <a:xfrm>
+            <a:off x="6006517" y="2004969"/>
+            <a:ext cx="134224" cy="520117"/>
+          </a:xfrm>
+          <a:custGeom>
+            <a:avLst/>
+            <a:gdLst>
+              <a:gd name="connsiteX0" fmla="*/ 0 w 134224"/>
+              <a:gd name="connsiteY0" fmla="*/ 520117 h 520117"/>
+              <a:gd name="connsiteX1" fmla="*/ 134224 w 134224"/>
+              <a:gd name="connsiteY1" fmla="*/ 0 h 520117"/>
+            </a:gdLst>
+            <a:ahLst/>
+            <a:cxnLst>
+              <a:cxn ang="0">
+                <a:pos x="connsiteX0" y="connsiteY0"/>
+              </a:cxn>
+              <a:cxn ang="0">
+                <a:pos x="connsiteX1" y="connsiteY1"/>
+              </a:cxn>
+            </a:cxnLst>
+            <a:rect l="l" t="t" r="r" b="b"/>
+            <a:pathLst>
+              <a:path w="134224" h="520117">
+                <a:moveTo>
+                  <a:pt x="0" y="520117"/>
+                </a:moveTo>
+                <a:lnTo>
+                  <a:pt x="134224" y="0"/>
+                </a:lnTo>
+              </a:path>
+            </a:pathLst>
+          </a:custGeom>
+          <a:noFill/>
+          <a:ln w="28575">
+            <a:tailEnd type="arrow"/>
+          </a:ln>
+        </p:spPr>
+        <p:style>
+          <a:lnRef idx="2">
+            <a:schemeClr val="accent1">
+              <a:shade val="50000"/>
+            </a:schemeClr>
+          </a:lnRef>
+          <a:fillRef idx="1">
+            <a:schemeClr val="accent1"/>
+          </a:fillRef>
+          <a:effectRef idx="0">
+            <a:schemeClr val="accent1"/>
+          </a:effectRef>
+          <a:fontRef idx="minor">
+            <a:schemeClr val="lt1"/>
+          </a:fontRef>
+        </p:style>
+        <p:txBody>
+          <a:bodyPr rtlCol="0" anchor="ctr"/>
+          <a:lstStyle/>
+          <a:p>
+            <a:pPr algn="ctr"/>
+            <a:endParaRPr lang="en-US"/>
+          </a:p>
+        </p:txBody>
+      </p:sp>
+      <p:sp>
+        <p:nvSpPr>
+          <p:cNvPr id="27" name="Freeform 26">
+            <a:extLst>
+              <a:ext uri="{FF2B5EF4-FFF2-40B4-BE49-F238E27FC236}">
+                <a16:creationId xmlns:a16="http://schemas.microsoft.com/office/drawing/2014/main" id="{2FCDD468-2546-5D4F-A8BB-FAECA4921689}"/>
+              </a:ext>
+            </a:extLst>
+          </p:cNvPr>
+          <p:cNvSpPr/>
+          <p:nvPr/>
+        </p:nvSpPr>
+        <p:spPr>
+          <a:xfrm>
+            <a:off x="578840" y="2072081"/>
+            <a:ext cx="6465244" cy="1619075"/>
+          </a:xfrm>
+          <a:custGeom>
+            <a:avLst/>
+            <a:gdLst>
+              <a:gd name="connsiteX0" fmla="*/ 0 w 6465244"/>
+              <a:gd name="connsiteY0" fmla="*/ 1619075 h 1619075"/>
+              <a:gd name="connsiteX1" fmla="*/ 813732 w 6465244"/>
+              <a:gd name="connsiteY1" fmla="*/ 1476462 h 1619075"/>
+              <a:gd name="connsiteX2" fmla="*/ 1971413 w 6465244"/>
+              <a:gd name="connsiteY2" fmla="*/ 1300293 h 1619075"/>
+              <a:gd name="connsiteX3" fmla="*/ 3036815 w 6465244"/>
+              <a:gd name="connsiteY3" fmla="*/ 1266737 h 1619075"/>
+              <a:gd name="connsiteX4" fmla="*/ 4102217 w 6465244"/>
+              <a:gd name="connsiteY4" fmla="*/ 1333849 h 1619075"/>
+              <a:gd name="connsiteX5" fmla="*/ 5176008 w 6465244"/>
+              <a:gd name="connsiteY5" fmla="*/ 1468073 h 1619075"/>
+              <a:gd name="connsiteX6" fmla="*/ 5964573 w 6465244"/>
+              <a:gd name="connsiteY6" fmla="*/ 1426128 h 1619075"/>
+              <a:gd name="connsiteX7" fmla="*/ 6425967 w 6465244"/>
+              <a:gd name="connsiteY7" fmla="*/ 1132513 h 1619075"/>
+              <a:gd name="connsiteX8" fmla="*/ 6434356 w 6465244"/>
+              <a:gd name="connsiteY8" fmla="*/ 453005 h 1619075"/>
+              <a:gd name="connsiteX9" fmla="*/ 6375633 w 6465244"/>
+              <a:gd name="connsiteY9" fmla="*/ 0 h 1619075"/>
+            </a:gdLst>
+            <a:ahLst/>
+            <a:cxnLst>
+              <a:cxn ang="0">
+                <a:pos x="connsiteX0" y="connsiteY0"/>
+              </a:cxn>
+              <a:cxn ang="0">
+                <a:pos x="connsiteX1" y="connsiteY1"/>
+              </a:cxn>
+              <a:cxn ang="0">
+                <a:pos x="connsiteX2" y="connsiteY2"/>
+              </a:cxn>
+              <a:cxn ang="0">
+                <a:pos x="connsiteX3" y="connsiteY3"/>
+              </a:cxn>
+              <a:cxn ang="0">
+                <a:pos x="connsiteX4" y="connsiteY4"/>
+              </a:cxn>
+              <a:cxn ang="0">
+                <a:pos x="connsiteX5" y="connsiteY5"/>
+              </a:cxn>
+              <a:cxn ang="0">
+                <a:pos x="connsiteX6" y="connsiteY6"/>
+              </a:cxn>
+              <a:cxn ang="0">
+                <a:pos x="connsiteX7" y="connsiteY7"/>
+              </a:cxn>
+              <a:cxn ang="0">
+                <a:pos x="connsiteX8" y="connsiteY8"/>
+              </a:cxn>
+              <a:cxn ang="0">
+                <a:pos x="connsiteX9" y="connsiteY9"/>
+              </a:cxn>
+            </a:cxnLst>
+            <a:rect l="l" t="t" r="r" b="b"/>
+            <a:pathLst>
+              <a:path w="6465244" h="1619075">
+                <a:moveTo>
+                  <a:pt x="0" y="1619075"/>
+                </a:moveTo>
+                <a:lnTo>
+                  <a:pt x="813732" y="1476462"/>
+                </a:lnTo>
+                <a:cubicBezTo>
+                  <a:pt x="1142301" y="1423332"/>
+                  <a:pt x="1600899" y="1335247"/>
+                  <a:pt x="1971413" y="1300293"/>
+                </a:cubicBezTo>
+                <a:cubicBezTo>
+                  <a:pt x="2341927" y="1265339"/>
+                  <a:pt x="2681681" y="1261144"/>
+                  <a:pt x="3036815" y="1266737"/>
+                </a:cubicBezTo>
+                <a:cubicBezTo>
+                  <a:pt x="3391949" y="1272330"/>
+                  <a:pt x="3745685" y="1300293"/>
+                  <a:pt x="4102217" y="1333849"/>
+                </a:cubicBezTo>
+                <a:cubicBezTo>
+                  <a:pt x="4458749" y="1367405"/>
+                  <a:pt x="4865615" y="1452693"/>
+                  <a:pt x="5176008" y="1468073"/>
+                </a:cubicBezTo>
+                <a:cubicBezTo>
+                  <a:pt x="5486401" y="1483453"/>
+                  <a:pt x="5756247" y="1482055"/>
+                  <a:pt x="5964573" y="1426128"/>
+                </a:cubicBezTo>
+                <a:cubicBezTo>
+                  <a:pt x="6172899" y="1370201"/>
+                  <a:pt x="6347670" y="1294700"/>
+                  <a:pt x="6425967" y="1132513"/>
+                </a:cubicBezTo>
+                <a:cubicBezTo>
+                  <a:pt x="6504264" y="970326"/>
+                  <a:pt x="6442745" y="641757"/>
+                  <a:pt x="6434356" y="453005"/>
+                </a:cubicBezTo>
+                <a:cubicBezTo>
+                  <a:pt x="6425967" y="264253"/>
+                  <a:pt x="6400800" y="132126"/>
+                  <a:pt x="6375633" y="0"/>
+                </a:cubicBezTo>
+              </a:path>
+            </a:pathLst>
+          </a:custGeom>
+          <a:noFill/>
+          <a:ln w="28575">
+            <a:tailEnd type="arrow"/>
+          </a:ln>
+        </p:spPr>
+        <p:style>
+          <a:lnRef idx="2">
+            <a:schemeClr val="accent1">
+              <a:shade val="50000"/>
+            </a:schemeClr>
+          </a:lnRef>
+          <a:fillRef idx="1">
+            <a:schemeClr val="accent1"/>
+          </a:fillRef>
+          <a:effectRef idx="0">
+            <a:schemeClr val="accent1"/>
+          </a:effectRef>
+          <a:fontRef idx="minor">
+            <a:schemeClr val="lt1"/>
+          </a:fontRef>
+        </p:style>
+        <p:txBody>
+          <a:bodyPr rtlCol="0" anchor="ctr"/>
+          <a:lstStyle/>
+          <a:p>
+            <a:pPr algn="ctr"/>
+            <a:endParaRPr lang="en-US"/>
           </a:p>
         </p:txBody>
       </p:sp>
